--- a/materials/slides/ch05.pptx
+++ b/materials/slides/ch05.pptx
@@ -927,9 +927,7 @@
             <p:ph type="sldImg"/>
           </p:nvPr>
         </p:nvSpPr>
-        <p:spPr>
-          <a:ln/>
-        </p:spPr>
+        <p:spPr/>
       </p:sp>
       <p:sp>
         <p:nvSpPr>
@@ -941,9 +939,7 @@
             <p:ph type="body"/>
           </p:nvPr>
         </p:nvSpPr>
-        <p:spPr>
-          <a:ln/>
-        </p:spPr>
+        <p:spPr/>
         <p:txBody>
           <a:bodyPr wrap="square" lIns="91428" tIns="45714" rIns="91428" bIns="45714" anchor="t"/>
           <a:p>
@@ -1020,9 +1016,7 @@
             <p:ph type="sldImg"/>
           </p:nvPr>
         </p:nvSpPr>
-        <p:spPr>
-          <a:ln/>
-        </p:spPr>
+        <p:spPr/>
       </p:sp>
       <p:sp>
         <p:nvSpPr>
@@ -1034,9 +1028,7 @@
             <p:ph type="body"/>
           </p:nvPr>
         </p:nvSpPr>
-        <p:spPr>
-          <a:ln/>
-        </p:spPr>
+        <p:spPr/>
         <p:txBody>
           <a:bodyPr wrap="square" lIns="91428" tIns="45714" rIns="91428" bIns="45714" anchor="t"/>
           <a:p>
@@ -1125,9 +1117,7 @@
             <p:ph type="sldImg"/>
           </p:nvPr>
         </p:nvSpPr>
-        <p:spPr>
-          <a:ln/>
-        </p:spPr>
+        <p:spPr/>
       </p:sp>
       <p:sp>
         <p:nvSpPr>
@@ -1139,9 +1129,7 @@
             <p:ph type="body"/>
           </p:nvPr>
         </p:nvSpPr>
-        <p:spPr>
-          <a:ln/>
-        </p:spPr>
+        <p:spPr/>
         <p:txBody>
           <a:bodyPr wrap="square" lIns="91428" tIns="45714" rIns="91428" bIns="45714" anchor="t"/>
           <a:p>
@@ -1230,9 +1218,7 @@
             <p:ph type="sldImg"/>
           </p:nvPr>
         </p:nvSpPr>
-        <p:spPr>
-          <a:ln/>
-        </p:spPr>
+        <p:spPr/>
       </p:sp>
       <p:sp>
         <p:nvSpPr>
@@ -1244,9 +1230,7 @@
             <p:ph type="body"/>
           </p:nvPr>
         </p:nvSpPr>
-        <p:spPr>
-          <a:ln/>
-        </p:spPr>
+        <p:spPr/>
         <p:txBody>
           <a:bodyPr wrap="square" lIns="91428" tIns="45714" rIns="91428" bIns="45714" anchor="t"/>
           <a:p>
@@ -1359,9 +1343,7 @@
             <p:ph type="sldImg"/>
           </p:nvPr>
         </p:nvSpPr>
-        <p:spPr>
-          <a:ln/>
-        </p:spPr>
+        <p:spPr/>
       </p:sp>
       <p:sp>
         <p:nvSpPr>
@@ -1373,9 +1355,7 @@
             <p:ph type="body"/>
           </p:nvPr>
         </p:nvSpPr>
-        <p:spPr>
-          <a:ln/>
-        </p:spPr>
+        <p:spPr/>
         <p:txBody>
           <a:bodyPr wrap="square" lIns="91428" tIns="45714" rIns="91428" bIns="45714" anchor="t"/>
           <a:p>
@@ -1492,9 +1472,7 @@
             <p:ph type="sldImg"/>
           </p:nvPr>
         </p:nvSpPr>
-        <p:spPr>
-          <a:ln/>
-        </p:spPr>
+        <p:spPr/>
       </p:sp>
       <p:sp>
         <p:nvSpPr>
@@ -1506,9 +1484,7 @@
             <p:ph type="body"/>
           </p:nvPr>
         </p:nvSpPr>
-        <p:spPr>
-          <a:ln/>
-        </p:spPr>
+        <p:spPr/>
         <p:txBody>
           <a:bodyPr wrap="square" lIns="91428" tIns="45714" rIns="91428" bIns="45714" anchor="t"/>
           <a:p>
@@ -1597,9 +1573,7 @@
             <p:ph type="sldImg"/>
           </p:nvPr>
         </p:nvSpPr>
-        <p:spPr>
-          <a:ln/>
-        </p:spPr>
+        <p:spPr/>
       </p:sp>
       <p:sp>
         <p:nvSpPr>
@@ -1611,9 +1585,7 @@
             <p:ph type="body"/>
           </p:nvPr>
         </p:nvSpPr>
-        <p:spPr>
-          <a:ln/>
-        </p:spPr>
+        <p:spPr/>
         <p:txBody>
           <a:bodyPr wrap="square" lIns="91428" tIns="45714" rIns="91428" bIns="45714" anchor="t"/>
           <a:p>
@@ -1706,9 +1678,7 @@
             <p:ph type="sldImg"/>
           </p:nvPr>
         </p:nvSpPr>
-        <p:spPr>
-          <a:ln/>
-        </p:spPr>
+        <p:spPr/>
       </p:sp>
       <p:sp>
         <p:nvSpPr>
@@ -1720,9 +1690,7 @@
             <p:ph type="body"/>
           </p:nvPr>
         </p:nvSpPr>
-        <p:spPr>
-          <a:ln/>
-        </p:spPr>
+        <p:spPr/>
         <p:txBody>
           <a:bodyPr wrap="square" lIns="91428" tIns="45714" rIns="91428" bIns="45714" anchor="t"/>
           <a:p>
@@ -1811,9 +1779,7 @@
             <p:ph type="sldImg"/>
           </p:nvPr>
         </p:nvSpPr>
-        <p:spPr>
-          <a:ln/>
-        </p:spPr>
+        <p:spPr/>
       </p:sp>
       <p:sp>
         <p:nvSpPr>
@@ -1825,9 +1791,7 @@
             <p:ph type="body"/>
           </p:nvPr>
         </p:nvSpPr>
-        <p:spPr>
-          <a:ln/>
-        </p:spPr>
+        <p:spPr/>
         <p:txBody>
           <a:bodyPr wrap="square" lIns="91428" tIns="45714" rIns="91428" bIns="45714" anchor="t"/>
           <a:p>
@@ -1916,9 +1880,7 @@
             <p:ph type="sldImg"/>
           </p:nvPr>
         </p:nvSpPr>
-        <p:spPr>
-          <a:ln/>
-        </p:spPr>
+        <p:spPr/>
       </p:sp>
       <p:sp>
         <p:nvSpPr>
@@ -1930,9 +1892,7 @@
             <p:ph type="body"/>
           </p:nvPr>
         </p:nvSpPr>
-        <p:spPr>
-          <a:ln/>
-        </p:spPr>
+        <p:spPr/>
         <p:txBody>
           <a:bodyPr wrap="square" lIns="91428" tIns="45714" rIns="91428" bIns="45714" anchor="t"/>
           <a:p>
@@ -2021,9 +1981,7 @@
             <p:ph type="sldImg"/>
           </p:nvPr>
         </p:nvSpPr>
-        <p:spPr>
-          <a:ln/>
-        </p:spPr>
+        <p:spPr/>
       </p:sp>
       <p:sp>
         <p:nvSpPr>
@@ -2035,9 +1993,7 @@
             <p:ph type="body"/>
           </p:nvPr>
         </p:nvSpPr>
-        <p:spPr>
-          <a:ln/>
-        </p:spPr>
+        <p:spPr/>
         <p:txBody>
           <a:bodyPr wrap="square" lIns="91428" tIns="45714" rIns="91428" bIns="45714" anchor="t"/>
           <a:p>
@@ -4343,6 +4299,28 @@
                 <a:cs typeface="微软雅黑" panose="020B0503020204020204" pitchFamily="3" charset="-122"/>
               </a:rPr>
               <a:t>使用</a:t>
+            </a:r>
+            <a:r>
+              <a:rPr kumimoji="1" lang="en-US" altLang="zh-CN" strike="noStrike" noProof="1" dirty="0">
+                <a:solidFill>
+                  <a:schemeClr val="tx1"/>
+                </a:solidFill>
+                <a:latin typeface="微软雅黑" panose="020B0503020204020204" pitchFamily="3" charset="-122"/>
+                <a:ea typeface="微软雅黑" panose="020B0503020204020204" pitchFamily="3" charset="-122"/>
+                <a:cs typeface="微软雅黑" panose="020B0503020204020204" pitchFamily="3" charset="-122"/>
+              </a:rPr>
+              <a:t>VSCode</a:t>
+            </a:r>
+            <a:r>
+              <a:rPr kumimoji="1" lang="zh-CN" altLang="en-US" strike="noStrike" noProof="1" dirty="0">
+                <a:solidFill>
+                  <a:schemeClr val="tx1"/>
+                </a:solidFill>
+                <a:latin typeface="微软雅黑" panose="020B0503020204020204" pitchFamily="3" charset="-122"/>
+                <a:ea typeface="微软雅黑" panose="020B0503020204020204" pitchFamily="3" charset="-122"/>
+                <a:cs typeface="微软雅黑" panose="020B0503020204020204" pitchFamily="3" charset="-122"/>
+              </a:rPr>
+              <a:t>或</a:t>
             </a:r>
             <a:r>
               <a:rPr kumimoji="1" lang="en-US" altLang="zh-CN" strike="noStrike" noProof="1" dirty="0">
@@ -8423,31 +8401,21 @@
                 <a:ea typeface="微软雅黑" panose="020B0503020204020204" pitchFamily="3" charset="-122"/>
                 <a:cs typeface="微软雅黑" panose="020B0503020204020204" pitchFamily="3" charset="-122"/>
               </a:rPr>
+              <a:t>VSCode</a:t>
+            </a:r>
+            <a:r>
+              <a:rPr kumimoji="1" lang="zh-CN" altLang="en-US" strike="noStrike" noProof="1">
+                <a:latin typeface="微软雅黑" panose="020B0503020204020204" pitchFamily="3" charset="-122"/>
+                <a:ea typeface="微软雅黑" panose="020B0503020204020204" pitchFamily="3" charset="-122"/>
+                <a:cs typeface="微软雅黑" panose="020B0503020204020204" pitchFamily="3" charset="-122"/>
+              </a:rPr>
+              <a:t>或</a:t>
+            </a:r>
+            <a:r>
+              <a:rPr lang="en-US" altLang="zh-CN" err="1">
+                <a:sym typeface="+mn-ea"/>
+              </a:rPr>
               <a:t>WebStorm</a:t>
-            </a:r>
-            <a:r>
-              <a:rPr kumimoji="1" lang="zh-CN" altLang="en-US" strike="noStrike" noProof="1">
-                <a:latin typeface="微软雅黑" panose="020B0503020204020204" pitchFamily="3" charset="-122"/>
-                <a:ea typeface="微软雅黑" panose="020B0503020204020204" pitchFamily="3" charset="-122"/>
-                <a:cs typeface="微软雅黑" panose="020B0503020204020204" pitchFamily="3" charset="-122"/>
-              </a:rPr>
-              <a:t>或</a:t>
-            </a:r>
-            <a:r>
-              <a:rPr kumimoji="1" lang="en-US" altLang="zh-CN" strike="noStrike" noProof="1" err="1">
-                <a:latin typeface="微软雅黑" panose="020B0503020204020204" pitchFamily="3" charset="-122"/>
-                <a:ea typeface="微软雅黑" panose="020B0503020204020204" pitchFamily="3" charset="-122"/>
-                <a:cs typeface="微软雅黑" panose="020B0503020204020204" pitchFamily="3" charset="-122"/>
-              </a:rPr>
-              <a:t>Cocos</a:t>
-            </a:r>
-            <a:r>
-              <a:rPr kumimoji="1" lang="en-US" altLang="zh-CN" strike="noStrike" noProof="1">
-                <a:latin typeface="微软雅黑" panose="020B0503020204020204" pitchFamily="3" charset="-122"/>
-                <a:ea typeface="微软雅黑" panose="020B0503020204020204" pitchFamily="3" charset="-122"/>
-                <a:cs typeface="微软雅黑" panose="020B0503020204020204" pitchFamily="3" charset="-122"/>
-              </a:rPr>
-              <a:t> IDE</a:t>
             </a:r>
             <a:endParaRPr kumimoji="1" lang="en-US" altLang="zh-CN" strike="noStrike" noProof="1">
               <a:latin typeface="微软雅黑" panose="020B0503020204020204" pitchFamily="3" charset="-122"/>

--- a/materials/slides/ch05.pptx
+++ b/materials/slides/ch05.pptx
@@ -5571,6 +5571,39 @@
           </a:ln>
         </p:spPr>
       </p:pic>
+      <p:sp>
+        <p:nvSpPr>
+          <p:cNvPr id="2" name="文本框 1"/>
+          <p:cNvSpPr txBox="1"/>
+          <p:nvPr/>
+        </p:nvSpPr>
+        <p:spPr>
+          <a:xfrm>
+            <a:off x="5681980" y="6098540"/>
+            <a:ext cx="4843780" cy="398780"/>
+          </a:xfrm>
+          <a:prstGeom prst="rect">
+            <a:avLst/>
+          </a:prstGeom>
+          <a:noFill/>
+        </p:spPr>
+        <p:txBody>
+          <a:bodyPr wrap="square" rtlCol="0">
+            <a:spAutoFit/>
+          </a:bodyPr>
+          <a:p>
+            <a:r>
+              <a:rPr lang="en-US" altLang="zh-CN" sz="2000"/>
+              <a:t>Cocos</a:t>
+            </a:r>
+            <a:r>
+              <a:rPr lang="zh-CN" altLang="en-US" sz="2000"/>
+              <a:t>官网：https://www.cocos.com/</a:t>
+            </a:r>
+            <a:endParaRPr lang="zh-CN" altLang="en-US" sz="2000"/>
+          </a:p>
+        </p:txBody>
+      </p:sp>
     </p:spTree>
   </p:cSld>
   <p:clrMapOvr>
@@ -6435,6 +6468,35 @@
           </a:ln>
         </p:spPr>
       </p:pic>
+      <p:sp>
+        <p:nvSpPr>
+          <p:cNvPr id="2" name="文本框 1"/>
+          <p:cNvSpPr txBox="1"/>
+          <p:nvPr/>
+        </p:nvSpPr>
+        <p:spPr>
+          <a:xfrm>
+            <a:off x="6199505" y="6096000"/>
+            <a:ext cx="4843780" cy="583565"/>
+          </a:xfrm>
+          <a:prstGeom prst="rect">
+            <a:avLst/>
+          </a:prstGeom>
+          <a:noFill/>
+        </p:spPr>
+        <p:txBody>
+          <a:bodyPr wrap="square" rtlCol="0">
+            <a:spAutoFit/>
+          </a:bodyPr>
+          <a:p>
+            <a:r>
+              <a:rPr lang="zh-CN" altLang="en-US"/>
+              <a:t>https://www.cocos.com/</a:t>
+            </a:r>
+            <a:endParaRPr lang="zh-CN" altLang="en-US"/>
+          </a:p>
+        </p:txBody>
+      </p:sp>
     </p:spTree>
   </p:cSld>
   <p:clrMapOvr>

--- a/materials/slides/ch05.pptx
+++ b/materials/slides/ch05.pptx
@@ -4079,8 +4079,8 @@
         </p:nvSpPr>
         <p:spPr>
           <a:xfrm>
-            <a:off x="1000125" y="858838"/>
-            <a:ext cx="9715500" cy="4494213"/>
+            <a:off x="1000125" y="859155"/>
+            <a:ext cx="10415905" cy="5182235"/>
           </a:xfrm>
           <a:noFill/>
           <a:ln>
@@ -4265,7 +4265,7 @@
                 <a:ea typeface="微软雅黑" panose="020B0503020204020204" pitchFamily="3" charset="-122"/>
                 <a:cs typeface="微软雅黑" panose="020B0503020204020204" pitchFamily="3" charset="-122"/>
               </a:rPr>
-              <a:t>使用终端进入工程文件夹，运行命令</a:t>
+              <a:t>进入工程目录，运行命令</a:t>
             </a:r>
             <a:r>
               <a:rPr kumimoji="1" lang="en-US" altLang="zh-CN" strike="noStrike" noProof="1" dirty="0">
@@ -4276,7 +4276,29 @@
                 <a:ea typeface="微软雅黑" panose="020B0503020204020204" pitchFamily="3" charset="-122"/>
                 <a:cs typeface="微软雅黑" panose="020B0503020204020204" pitchFamily="3" charset="-122"/>
               </a:rPr>
-              <a:t> cocos new -l js --no-native L01</a:t>
+              <a:t> </a:t>
+            </a:r>
+            <a:r>
+              <a:rPr kumimoji="1" lang="en-US" altLang="zh-CN" strike="noStrike" noProof="1" dirty="0">
+                <a:solidFill>
+                  <a:srgbClr val="FF0000"/>
+                </a:solidFill>
+                <a:latin typeface="微软雅黑" panose="020B0503020204020204" pitchFamily="3" charset="-122"/>
+                <a:ea typeface="微软雅黑" panose="020B0503020204020204" pitchFamily="3" charset="-122"/>
+                <a:cs typeface="微软雅黑" panose="020B0503020204020204" pitchFamily="3" charset="-122"/>
+              </a:rPr>
+              <a:t>cocos new -l js --no-native</a:t>
+            </a:r>
+            <a:r>
+              <a:rPr kumimoji="1" lang="en-US" altLang="zh-CN" strike="noStrike" noProof="1" dirty="0">
+                <a:solidFill>
+                  <a:schemeClr val="tx1"/>
+                </a:solidFill>
+                <a:latin typeface="微软雅黑" panose="020B0503020204020204" pitchFamily="3" charset="-122"/>
+                <a:ea typeface="微软雅黑" panose="020B0503020204020204" pitchFamily="3" charset="-122"/>
+                <a:cs typeface="微软雅黑" panose="020B0503020204020204" pitchFamily="3" charset="-122"/>
+              </a:rPr>
+              <a:t> Demo1</a:t>
             </a:r>
             <a:endParaRPr kumimoji="1" lang="zh-CN" altLang="en-US" strike="noStrike" noProof="1" dirty="0">
               <a:solidFill>
@@ -4342,7 +4364,18 @@
                 <a:ea typeface="微软雅黑" panose="020B0503020204020204" pitchFamily="3" charset="-122"/>
                 <a:cs typeface="微软雅黑" panose="020B0503020204020204" pitchFamily="3" charset="-122"/>
               </a:rPr>
-              <a:t>打开以及建好的项目并调试</a:t>
+              <a:t>打开以及建好的项目并调试，运行命令 </a:t>
+            </a:r>
+            <a:r>
+              <a:rPr kumimoji="1" lang="en-US" altLang="zh-CN" strike="noStrike" noProof="1" dirty="0">
+                <a:solidFill>
+                  <a:srgbClr val="FF0000"/>
+                </a:solidFill>
+                <a:latin typeface="微软雅黑" panose="020B0503020204020204" pitchFamily="3" charset="-122"/>
+                <a:ea typeface="微软雅黑" panose="020B0503020204020204" pitchFamily="3" charset="-122"/>
+                <a:cs typeface="微软雅黑" panose="020B0503020204020204" pitchFamily="3" charset="-122"/>
+              </a:rPr>
+              <a:t>cocos run -p web</a:t>
             </a:r>
             <a:endParaRPr kumimoji="1" lang="zh-CN" altLang="en-US" strike="noStrike" noProof="1" dirty="0">
               <a:solidFill>
